--- a/files/disclaimer.pptx
+++ b/files/disclaimer.pptx
@@ -259,7 +259,7 @@
           <a:p>
             <a:fld id="{8AA576E9-BF10-D340-8E6D-6795BC945EB6}" type="datetimeFigureOut">
               <a:rPr lang="en-US" smtClean="0"/>
-              <a:t>10/9/23</a:t>
+              <a:t>11/22/23</a:t>
             </a:fld>
             <a:endParaRPr lang="en-US"/>
           </a:p>
@@ -457,7 +457,7 @@
           <a:p>
             <a:fld id="{8AA576E9-BF10-D340-8E6D-6795BC945EB6}" type="datetimeFigureOut">
               <a:rPr lang="en-US" smtClean="0"/>
-              <a:t>10/9/23</a:t>
+              <a:t>11/22/23</a:t>
             </a:fld>
             <a:endParaRPr lang="en-US"/>
           </a:p>
@@ -665,7 +665,7 @@
           <a:p>
             <a:fld id="{8AA576E9-BF10-D340-8E6D-6795BC945EB6}" type="datetimeFigureOut">
               <a:rPr lang="en-US" smtClean="0"/>
-              <a:t>10/9/23</a:t>
+              <a:t>11/22/23</a:t>
             </a:fld>
             <a:endParaRPr lang="en-US"/>
           </a:p>
@@ -863,7 +863,7 @@
           <a:p>
             <a:fld id="{8AA576E9-BF10-D340-8E6D-6795BC945EB6}" type="datetimeFigureOut">
               <a:rPr lang="en-US" smtClean="0"/>
-              <a:t>10/9/23</a:t>
+              <a:t>11/22/23</a:t>
             </a:fld>
             <a:endParaRPr lang="en-US"/>
           </a:p>
@@ -1138,7 +1138,7 @@
           <a:p>
             <a:fld id="{8AA576E9-BF10-D340-8E6D-6795BC945EB6}" type="datetimeFigureOut">
               <a:rPr lang="en-US" smtClean="0"/>
-              <a:t>10/9/23</a:t>
+              <a:t>11/22/23</a:t>
             </a:fld>
             <a:endParaRPr lang="en-US"/>
           </a:p>
@@ -1403,7 +1403,7 @@
           <a:p>
             <a:fld id="{8AA576E9-BF10-D340-8E6D-6795BC945EB6}" type="datetimeFigureOut">
               <a:rPr lang="en-US" smtClean="0"/>
-              <a:t>10/9/23</a:t>
+              <a:t>11/22/23</a:t>
             </a:fld>
             <a:endParaRPr lang="en-US"/>
           </a:p>
@@ -1815,7 +1815,7 @@
           <a:p>
             <a:fld id="{8AA576E9-BF10-D340-8E6D-6795BC945EB6}" type="datetimeFigureOut">
               <a:rPr lang="en-US" smtClean="0"/>
-              <a:t>10/9/23</a:t>
+              <a:t>11/22/23</a:t>
             </a:fld>
             <a:endParaRPr lang="en-US"/>
           </a:p>
@@ -1956,7 +1956,7 @@
           <a:p>
             <a:fld id="{8AA576E9-BF10-D340-8E6D-6795BC945EB6}" type="datetimeFigureOut">
               <a:rPr lang="en-US" smtClean="0"/>
-              <a:t>10/9/23</a:t>
+              <a:t>11/22/23</a:t>
             </a:fld>
             <a:endParaRPr lang="en-US"/>
           </a:p>
@@ -2069,7 +2069,7 @@
           <a:p>
             <a:fld id="{8AA576E9-BF10-D340-8E6D-6795BC945EB6}" type="datetimeFigureOut">
               <a:rPr lang="en-US" smtClean="0"/>
-              <a:t>10/9/23</a:t>
+              <a:t>11/22/23</a:t>
             </a:fld>
             <a:endParaRPr lang="en-US"/>
           </a:p>
@@ -2380,7 +2380,7 @@
           <a:p>
             <a:fld id="{8AA576E9-BF10-D340-8E6D-6795BC945EB6}" type="datetimeFigureOut">
               <a:rPr lang="en-US" smtClean="0"/>
-              <a:t>10/9/23</a:t>
+              <a:t>11/22/23</a:t>
             </a:fld>
             <a:endParaRPr lang="en-US"/>
           </a:p>
@@ -2668,7 +2668,7 @@
           <a:p>
             <a:fld id="{8AA576E9-BF10-D340-8E6D-6795BC945EB6}" type="datetimeFigureOut">
               <a:rPr lang="en-US" smtClean="0"/>
-              <a:t>10/9/23</a:t>
+              <a:t>11/22/23</a:t>
             </a:fld>
             <a:endParaRPr lang="en-US"/>
           </a:p>
@@ -2909,7 +2909,7 @@
           <a:p>
             <a:fld id="{8AA576E9-BF10-D340-8E6D-6795BC945EB6}" type="datetimeFigureOut">
               <a:rPr lang="en-US" smtClean="0"/>
-              <a:t>10/9/23</a:t>
+              <a:t>11/22/23</a:t>
             </a:fld>
             <a:endParaRPr lang="en-US"/>
           </a:p>
@@ -3397,21 +3397,7 @@
                 <a:effectLst/>
                 <a:latin typeface="Calibri" panose="020F0502020204030204" pitchFamily="34" charset="0"/>
               </a:rPr>
-              <a:t>”, with page </a:t>
-            </a:r>
-            <a:r>
-              <a:rPr lang="en-US" sz="1800">
-                <a:effectLst/>
-                <a:latin typeface="Calibri" panose="020F0502020204030204" pitchFamily="34" charset="0"/>
-              </a:rPr>
-              <a:t>numbered 1,48,52</a:t>
-            </a:r>
-            <a:r>
-              <a:rPr lang="en-US" sz="1800" dirty="0">
-                <a:effectLst/>
-                <a:latin typeface="Calibri" panose="020F0502020204030204" pitchFamily="34" charset="0"/>
-              </a:rPr>
-              <a:t>. </a:t>
+              <a:t>”, with page numbered 1,48,52. </a:t>
             </a:r>
             <a:endParaRPr lang="en-US" sz="1800" dirty="0">
               <a:effectLst/>
@@ -3419,13 +3405,6 @@
             </a:endParaRPr>
           </a:p>
           <a:p>
-            <a:r>
-              <a:rPr lang="en-US" sz="1800" dirty="0">
-                <a:effectLst/>
-                <a:latin typeface="ArialMT"/>
-              </a:rPr>
-              <a:t>• </a:t>
-            </a:r>
             <a:r>
               <a:rPr lang="en-US" sz="1800" dirty="0">
                 <a:effectLst/>
@@ -3442,36 +3421,180 @@
                 <a:latin typeface="GillSans" panose="020B0A02020104020203" pitchFamily="34" charset="77"/>
                 <a:hlinkClick r:id="rId2"/>
               </a:rPr>
-              <a:t>http://</a:t>
-            </a:r>
-            <a:r>
-              <a:rPr lang="en-US" sz="1800" dirty="0" err="1">
-                <a:solidFill>
-                  <a:srgbClr val="0260BF"/>
-                </a:solidFill>
+              <a:t>http://www.incompleteideas.net/Talks/RLtutorialNIPS2015.pdf </a:t>
+            </a:r>
+            <a:endParaRPr lang="en-US" sz="1800" dirty="0">
+              <a:solidFill>
+                <a:srgbClr val="0260BF"/>
+              </a:solidFill>
+              <a:effectLst/>
+              <a:latin typeface="GillSans" panose="020B0A02020104020203" pitchFamily="34" charset="77"/>
+            </a:endParaRPr>
+          </a:p>
+          <a:p>
+            <a:r>
+              <a:rPr lang="en-US" sz="1800" dirty="0">
                 <a:effectLst/>
-                <a:latin typeface="GillSans" panose="020B0A02020104020203" pitchFamily="34" charset="77"/>
-                <a:hlinkClick r:id="rId2"/>
+                <a:latin typeface="Calibri" panose="020F0502020204030204" pitchFamily="34" charset="0"/>
               </a:rPr>
-              <a:t>www.incompleteideas.net</a:t>
+              <a:t>The </a:t>
+            </a:r>
+            <a:r>
+              <a:rPr lang="en-US" altLang="zh-CN" sz="1800" dirty="0">
+                <a:latin typeface="Calibri" panose="020F0502020204030204" pitchFamily="34" charset="0"/>
+              </a:rPr>
+              <a:t>detailed</a:t>
+            </a:r>
+            <a:r>
+              <a:rPr lang="zh-CN" altLang="en-US" sz="1800" dirty="0">
+                <a:latin typeface="Calibri" panose="020F0502020204030204" pitchFamily="34" charset="0"/>
+              </a:rPr>
+              <a:t> </a:t>
+            </a:r>
+            <a:r>
+              <a:rPr lang="en-US" altLang="zh-CN" sz="1800" dirty="0">
+                <a:latin typeface="Calibri" panose="020F0502020204030204" pitchFamily="34" charset="0"/>
+              </a:rPr>
+              <a:t>description</a:t>
+            </a:r>
+            <a:r>
+              <a:rPr lang="zh-CN" altLang="en-US" sz="1800" dirty="0">
+                <a:latin typeface="Calibri" panose="020F0502020204030204" pitchFamily="34" charset="0"/>
+              </a:rPr>
+              <a:t> </a:t>
+            </a:r>
+            <a:r>
+              <a:rPr lang="en-US" altLang="zh-CN" sz="1800" dirty="0">
+                <a:latin typeface="Calibri" panose="020F0502020204030204" pitchFamily="34" charset="0"/>
+              </a:rPr>
+              <a:t>is</a:t>
+            </a:r>
+            <a:r>
+              <a:rPr lang="zh-CN" altLang="en-US" sz="1800" dirty="0">
+                <a:latin typeface="Calibri" panose="020F0502020204030204" pitchFamily="34" charset="0"/>
+              </a:rPr>
+              <a:t> </a:t>
+            </a:r>
+            <a:r>
+              <a:rPr lang="en-US" altLang="zh-CN" sz="1800" dirty="0">
+                <a:latin typeface="Calibri" panose="020F0502020204030204" pitchFamily="34" charset="0"/>
+              </a:rPr>
+              <a:t>in</a:t>
+            </a:r>
+            <a:r>
+              <a:rPr lang="zh-CN" altLang="en-US" sz="1800" dirty="0">
+                <a:latin typeface="Calibri" panose="020F0502020204030204" pitchFamily="34" charset="0"/>
+              </a:rPr>
+              <a:t> </a:t>
+            </a:r>
+            <a:r>
+              <a:rPr lang="en-US" altLang="zh-CN" sz="1800" dirty="0">
+                <a:latin typeface="Calibri" panose="020F0502020204030204" pitchFamily="34" charset="0"/>
+              </a:rPr>
+              <a:t>Question</a:t>
+            </a:r>
+            <a:r>
+              <a:rPr lang="zh-CN" altLang="en-US" sz="1800" dirty="0">
+                <a:latin typeface="Calibri" panose="020F0502020204030204" pitchFamily="34" charset="0"/>
+              </a:rPr>
+              <a:t> </a:t>
+            </a:r>
+            <a:r>
+              <a:rPr lang="en-US" altLang="zh-CN" sz="1800" dirty="0">
+                <a:latin typeface="Calibri" panose="020F0502020204030204" pitchFamily="34" charset="0"/>
+              </a:rPr>
+              <a:t>3,</a:t>
+            </a:r>
+            <a:r>
+              <a:rPr lang="zh-CN" altLang="en-US" sz="1800" dirty="0">
+                <a:latin typeface="Calibri" panose="020F0502020204030204" pitchFamily="34" charset="0"/>
+              </a:rPr>
+              <a:t> </a:t>
+            </a:r>
+            <a:r>
+              <a:rPr lang="en-US" altLang="zh-CN" sz="1800" dirty="0">
+                <a:latin typeface="Calibri" panose="020F0502020204030204" pitchFamily="34" charset="0"/>
+              </a:rPr>
+              <a:t>pp.</a:t>
+            </a:r>
+            <a:r>
+              <a:rPr lang="zh-CN" altLang="en-US" sz="1800" dirty="0">
+                <a:latin typeface="Calibri" panose="020F0502020204030204" pitchFamily="34" charset="0"/>
+              </a:rPr>
+              <a:t> </a:t>
+            </a:r>
+            <a:r>
+              <a:rPr lang="en-US" altLang="zh-CN" sz="1800" dirty="0">
+                <a:latin typeface="Calibri" panose="020F0502020204030204" pitchFamily="34" charset="0"/>
+              </a:rPr>
+              <a:t>4</a:t>
+            </a:r>
+            <a:r>
+              <a:rPr lang="zh-CN" altLang="en-US" sz="1800" dirty="0">
+                <a:latin typeface="Calibri" panose="020F0502020204030204" pitchFamily="34" charset="0"/>
+              </a:rPr>
+              <a:t> </a:t>
+            </a:r>
+            <a:r>
+              <a:rPr lang="en-US" altLang="zh-CN" sz="1800" dirty="0">
+                <a:latin typeface="Calibri" panose="020F0502020204030204" pitchFamily="34" charset="0"/>
+              </a:rPr>
+              <a:t>of</a:t>
+            </a:r>
+            <a:r>
+              <a:rPr lang="zh-CN" altLang="en-US" sz="1800" dirty="0">
+                <a:latin typeface="Calibri" panose="020F0502020204030204" pitchFamily="34" charset="0"/>
+              </a:rPr>
+              <a:t> </a:t>
+            </a:r>
+            <a:r>
+              <a:rPr lang="en-US" altLang="zh-CN" sz="1800" dirty="0">
+                <a:latin typeface="Calibri" panose="020F0502020204030204" pitchFamily="34" charset="0"/>
+                <a:hlinkClick r:id="rId3"/>
+              </a:rPr>
+              <a:t>this</a:t>
+            </a:r>
+            <a:r>
+              <a:rPr lang="zh-CN" altLang="en-US" sz="1800" dirty="0">
+                <a:latin typeface="Calibri" panose="020F0502020204030204" pitchFamily="34" charset="0"/>
+                <a:hlinkClick r:id="rId3"/>
+              </a:rPr>
+              <a:t> </a:t>
+            </a:r>
+            <a:r>
+              <a:rPr lang="en-US" altLang="zh-CN" sz="1800" dirty="0">
+                <a:latin typeface="Calibri" panose="020F0502020204030204" pitchFamily="34" charset="0"/>
+                <a:hlinkClick r:id="rId3"/>
+              </a:rPr>
+              <a:t>paper</a:t>
+            </a:r>
+            <a:r>
+              <a:rPr lang="en-US" altLang="zh-CN" sz="1800" dirty="0">
+                <a:latin typeface="Calibri" panose="020F0502020204030204" pitchFamily="34" charset="0"/>
+              </a:rPr>
+              <a:t>:</a:t>
+            </a:r>
+            <a:r>
+              <a:rPr lang="zh-CN" altLang="en-US" sz="1800" dirty="0">
+                <a:latin typeface="Calibri" panose="020F0502020204030204" pitchFamily="34" charset="0"/>
+              </a:rPr>
+              <a:t> </a:t>
             </a:r>
             <a:r>
               <a:rPr lang="en-US" sz="1800" dirty="0">
-                <a:solidFill>
-                  <a:srgbClr val="0260BF"/>
-                </a:solidFill>
-                <a:effectLst/>
-                <a:latin typeface="GillSans" panose="020B0A02020104020203" pitchFamily="34" charset="77"/>
-                <a:hlinkClick r:id="rId2"/>
+                <a:latin typeface="Calibri" panose="020F0502020204030204" pitchFamily="34" charset="0"/>
               </a:rPr>
-              <a:t>/Talks/RLtutorialNIPS2015.pdf </a:t>
-            </a:r>
-            <a:endParaRPr lang="en-US" dirty="0">
-              <a:effectLst/>
+              <a:t>Efficiency of Bootstrapping</a:t>
+            </a:r>
+            <a:r>
+              <a:rPr lang="en-US" altLang="zh-CN" sz="1800" dirty="0">
+                <a:latin typeface="Calibri" panose="020F0502020204030204" pitchFamily="34" charset="0"/>
+              </a:rPr>
+              <a:t>.</a:t>
+            </a:r>
+            <a:endParaRPr lang="en-US" sz="1800" dirty="0">
+              <a:latin typeface="Calibri" panose="020F0502020204030204" pitchFamily="34" charset="0"/>
             </a:endParaRPr>
-          </a:p>
-          <a:p>
-            <a:endParaRPr lang="en-US" dirty="0"/>
           </a:p>
         </p:txBody>
       </p:sp>

--- a/files/disclaimer.pptx
+++ b/files/disclaimer.pptx
@@ -259,7 +259,7 @@
           <a:p>
             <a:fld id="{8AA576E9-BF10-D340-8E6D-6795BC945EB6}" type="datetimeFigureOut">
               <a:rPr lang="en-US" smtClean="0"/>
-              <a:t>11/22/23</a:t>
+              <a:t>12/7/23</a:t>
             </a:fld>
             <a:endParaRPr lang="en-US"/>
           </a:p>
@@ -457,7 +457,7 @@
           <a:p>
             <a:fld id="{8AA576E9-BF10-D340-8E6D-6795BC945EB6}" type="datetimeFigureOut">
               <a:rPr lang="en-US" smtClean="0"/>
-              <a:t>11/22/23</a:t>
+              <a:t>12/7/23</a:t>
             </a:fld>
             <a:endParaRPr lang="en-US"/>
           </a:p>
@@ -665,7 +665,7 @@
           <a:p>
             <a:fld id="{8AA576E9-BF10-D340-8E6D-6795BC945EB6}" type="datetimeFigureOut">
               <a:rPr lang="en-US" smtClean="0"/>
-              <a:t>11/22/23</a:t>
+              <a:t>12/7/23</a:t>
             </a:fld>
             <a:endParaRPr lang="en-US"/>
           </a:p>
@@ -863,7 +863,7 @@
           <a:p>
             <a:fld id="{8AA576E9-BF10-D340-8E6D-6795BC945EB6}" type="datetimeFigureOut">
               <a:rPr lang="en-US" smtClean="0"/>
-              <a:t>11/22/23</a:t>
+              <a:t>12/7/23</a:t>
             </a:fld>
             <a:endParaRPr lang="en-US"/>
           </a:p>
@@ -1138,7 +1138,7 @@
           <a:p>
             <a:fld id="{8AA576E9-BF10-D340-8E6D-6795BC945EB6}" type="datetimeFigureOut">
               <a:rPr lang="en-US" smtClean="0"/>
-              <a:t>11/22/23</a:t>
+              <a:t>12/7/23</a:t>
             </a:fld>
             <a:endParaRPr lang="en-US"/>
           </a:p>
@@ -1403,7 +1403,7 @@
           <a:p>
             <a:fld id="{8AA576E9-BF10-D340-8E6D-6795BC945EB6}" type="datetimeFigureOut">
               <a:rPr lang="en-US" smtClean="0"/>
-              <a:t>11/22/23</a:t>
+              <a:t>12/7/23</a:t>
             </a:fld>
             <a:endParaRPr lang="en-US"/>
           </a:p>
@@ -1815,7 +1815,7 @@
           <a:p>
             <a:fld id="{8AA576E9-BF10-D340-8E6D-6795BC945EB6}" type="datetimeFigureOut">
               <a:rPr lang="en-US" smtClean="0"/>
-              <a:t>11/22/23</a:t>
+              <a:t>12/7/23</a:t>
             </a:fld>
             <a:endParaRPr lang="en-US"/>
           </a:p>
@@ -1956,7 +1956,7 @@
           <a:p>
             <a:fld id="{8AA576E9-BF10-D340-8E6D-6795BC945EB6}" type="datetimeFigureOut">
               <a:rPr lang="en-US" smtClean="0"/>
-              <a:t>11/22/23</a:t>
+              <a:t>12/7/23</a:t>
             </a:fld>
             <a:endParaRPr lang="en-US"/>
           </a:p>
@@ -2069,7 +2069,7 @@
           <a:p>
             <a:fld id="{8AA576E9-BF10-D340-8E6D-6795BC945EB6}" type="datetimeFigureOut">
               <a:rPr lang="en-US" smtClean="0"/>
-              <a:t>11/22/23</a:t>
+              <a:t>12/7/23</a:t>
             </a:fld>
             <a:endParaRPr lang="en-US"/>
           </a:p>
@@ -2380,7 +2380,7 @@
           <a:p>
             <a:fld id="{8AA576E9-BF10-D340-8E6D-6795BC945EB6}" type="datetimeFigureOut">
               <a:rPr lang="en-US" smtClean="0"/>
-              <a:t>11/22/23</a:t>
+              <a:t>12/7/23</a:t>
             </a:fld>
             <a:endParaRPr lang="en-US"/>
           </a:p>
@@ -2668,7 +2668,7 @@
           <a:p>
             <a:fld id="{8AA576E9-BF10-D340-8E6D-6795BC945EB6}" type="datetimeFigureOut">
               <a:rPr lang="en-US" smtClean="0"/>
-              <a:t>11/22/23</a:t>
+              <a:t>12/7/23</a:t>
             </a:fld>
             <a:endParaRPr lang="en-US"/>
           </a:p>
@@ -2909,7 +2909,7 @@
           <a:p>
             <a:fld id="{8AA576E9-BF10-D340-8E6D-6795BC945EB6}" type="datetimeFigureOut">
               <a:rPr lang="en-US" smtClean="0"/>
-              <a:t>11/22/23</a:t>
+              <a:t>12/7/23</a:t>
             </a:fld>
             <a:endParaRPr lang="en-US"/>
           </a:p>
@@ -3421,7 +3421,7 @@
                 <a:latin typeface="GillSans" panose="020B0A02020104020203" pitchFamily="34" charset="77"/>
                 <a:hlinkClick r:id="rId2"/>
               </a:rPr>
-              <a:t>http://www.incompleteideas.net/Talks/RLtutorialNIPS2015.pdf </a:t>
+              <a:t>http://www.incompleteideas.net/Talks/RLtutorialNIPS2015.pdf</a:t>
             </a:r>
             <a:endParaRPr lang="en-US" sz="1800" dirty="0">
               <a:solidFill>
@@ -3550,29 +3550,78 @@
             <a:r>
               <a:rPr lang="en-US" altLang="zh-CN" sz="1800" dirty="0">
                 <a:latin typeface="Calibri" panose="020F0502020204030204" pitchFamily="34" charset="0"/>
-                <a:hlinkClick r:id="rId3"/>
               </a:rPr>
-              <a:t>this</a:t>
-            </a:r>
-            <a:r>
-              <a:rPr lang="zh-CN" altLang="en-US" sz="1800" dirty="0">
-                <a:latin typeface="Calibri" panose="020F0502020204030204" pitchFamily="34" charset="0"/>
-                <a:hlinkClick r:id="rId3"/>
+              <a:t>the paper “</a:t>
+            </a:r>
+            <a:r>
+              <a:rPr lang="en-US" sz="1800" dirty="0">
+                <a:solidFill>
+                  <a:srgbClr val="0260BF"/>
+                </a:solidFill>
+                <a:latin typeface="GillSans" panose="020B0A02020104020203" pitchFamily="34" charset="77"/>
+                <a:hlinkClick r:id="rId3">
+                  <a:extLst>
+                    <a:ext uri="{A12FA001-AC4F-418D-AE19-62706E023703}">
+                      <ahyp:hlinkClr xmlns:ahyp="http://schemas.microsoft.com/office/drawing/2018/hyperlinkcolor" val="tx"/>
+                    </a:ext>
+                  </a:extLst>
+                </a:hlinkClick>
               </a:rPr>
-              <a:t> </a:t>
-            </a:r>
-            <a:r>
-              <a:rPr lang="en-US" altLang="zh-CN" sz="1800" dirty="0">
-                <a:latin typeface="Calibri" panose="020F0502020204030204" pitchFamily="34" charset="0"/>
-                <a:hlinkClick r:id="rId3"/>
+              <a:t>Open Theoretical Questions in Reinforcement Learning</a:t>
+            </a:r>
+            <a:r>
+              <a:rPr lang="en-US" sz="1800" dirty="0">
+                <a:solidFill>
+                  <a:srgbClr val="0260BF"/>
+                </a:solidFill>
+                <a:latin typeface="GillSans" panose="020B0A02020104020203" pitchFamily="34" charset="77"/>
               </a:rPr>
-              <a:t>paper</a:t>
+              <a:t> (</a:t>
+            </a:r>
+            <a:r>
+              <a:rPr lang="en-US" sz="1800" dirty="0">
+                <a:solidFill>
+                  <a:srgbClr val="0260BF"/>
+                </a:solidFill>
+                <a:latin typeface="GillSans" panose="020B0A02020104020203" pitchFamily="34" charset="77"/>
+                <a:hlinkClick r:id="rId4"/>
+              </a:rPr>
+              <a:t>http://</a:t>
+            </a:r>
+            <a:r>
+              <a:rPr lang="en-US" sz="1800" dirty="0" err="1">
+                <a:solidFill>
+                  <a:srgbClr val="0260BF"/>
+                </a:solidFill>
+                <a:latin typeface="GillSans" panose="020B0A02020104020203" pitchFamily="34" charset="77"/>
+                <a:hlinkClick r:id="rId4"/>
+              </a:rPr>
+              <a:t>incompleteideas.net</a:t>
+            </a:r>
+            <a:r>
+              <a:rPr lang="en-US" sz="1800" dirty="0">
+                <a:solidFill>
+                  <a:srgbClr val="0260BF"/>
+                </a:solidFill>
+                <a:latin typeface="GillSans" panose="020B0A02020104020203" pitchFamily="34" charset="77"/>
+                <a:hlinkClick r:id="rId4"/>
+              </a:rPr>
+              <a:t>/papers/sutton-99.pdf</a:t>
+            </a:r>
+            <a:r>
+              <a:rPr lang="en-US" sz="1800" dirty="0">
+                <a:solidFill>
+                  <a:srgbClr val="0260BF"/>
+                </a:solidFill>
+                <a:latin typeface="GillSans" panose="020B0A02020104020203" pitchFamily="34" charset="77"/>
+              </a:rPr>
+              <a:t>)</a:t>
             </a:r>
             <a:r>
               <a:rPr lang="en-US" altLang="zh-CN" sz="1800" dirty="0">
                 <a:latin typeface="Calibri" panose="020F0502020204030204" pitchFamily="34" charset="0"/>
               </a:rPr>
-              <a:t>:</a:t>
+              <a:t>”:</a:t>
             </a:r>
             <a:r>
               <a:rPr lang="zh-CN" altLang="en-US" sz="1800" dirty="0">
